--- a/HN_JPN_K25CNTT5_NGUYENTRIHUNG/TongKet_KhaoSatDoUong.pptx
+++ b/HN_JPN_K25CNTT5_NGUYENTRIHUNG/TongKet_KhaoSatDoUong.pptx
@@ -110,6 +110,11 @@
       </a:defRPr>
     </a:lvl9pPr>
   </p:defaultTextStyle>
+  <p:extLst>
+    <p:ext uri="{EFAFB233-063F-42B5-8137-9DF3F51BA10A}">
+      <p15:sldGuideLst xmlns:p15="http://schemas.microsoft.com/office/powerpoint/2012/main"/>
+    </p:ext>
+  </p:extLst>
 </p:presentation>
 </file>
 
@@ -4570,6 +4575,7 @@
       <p:sp>
         <p:nvSpPr>
           <p:cNvPr id="6" name="Freeform: Shape 5">
+            <a:hlinkClick r:id="rId2" action="ppaction://hlinksldjump"/>
             <a:extLst>
               <a:ext uri="{FF2B5EF4-FFF2-40B4-BE49-F238E27FC236}">
                 <a16:creationId xmlns:a16="http://schemas.microsoft.com/office/drawing/2014/main" id="{4FCA2C59-7A64-69DC-21D7-9EB5A674CDD3}"/>
@@ -4728,7 +4734,17 @@
             </a:pPr>
             <a:r>
               <a:rPr lang="vi-VN" sz="2700" kern="1200" dirty="0"/>
-              <a:t>Xác định loại đồ uống được sinh viên ưa chuộng nhất hiện nay.</a:t>
+              <a:t>Xác định loại đồ uống được sinh viên ưa chuộng nhất hiện</a:t>
+            </a:r>
+            <a:r>
+              <a:rPr lang="vi-VN" sz="2700" kern="1200" dirty="0">
+                <a:hlinkClick r:id="rId2" action="ppaction://hlinksldjump"/>
+              </a:rPr>
+              <a:t>Phương Pháp Khảo Sát</a:t>
+            </a:r>
+            <a:r>
+              <a:rPr lang="vi-VN" sz="2700" kern="1200" dirty="0"/>
+              <a:t> nay.</a:t>
             </a:r>
             <a:endParaRPr lang="en-US" sz="2700" kern="1200" dirty="0"/>
           </a:p>
@@ -4737,6 +4753,7 @@
       <p:sp>
         <p:nvSpPr>
           <p:cNvPr id="7" name="Freeform: Shape 6">
+            <a:hlinkClick r:id="rId3" action="ppaction://hlinksldjump"/>
             <a:extLst>
               <a:ext uri="{FF2B5EF4-FFF2-40B4-BE49-F238E27FC236}">
                 <a16:creationId xmlns:a16="http://schemas.microsoft.com/office/drawing/2014/main" id="{810BFE18-9321-6A7E-630D-34D32329BE14}"/>
@@ -4904,6 +4921,7 @@
       <p:sp>
         <p:nvSpPr>
           <p:cNvPr id="8" name="Freeform: Shape 7">
+            <a:hlinkClick r:id="rId4" action="ppaction://hlinksldjump"/>
             <a:extLst>
               <a:ext uri="{FF2B5EF4-FFF2-40B4-BE49-F238E27FC236}">
                 <a16:creationId xmlns:a16="http://schemas.microsoft.com/office/drawing/2014/main" id="{0438E9A4-E37B-6B54-9364-9C6FE0F88828}"/>
@@ -5394,13 +5412,13 @@
   <p:clrMapOvr>
     <a:masterClrMapping/>
   </p:clrMapOvr>
-  <mc:AlternateContent xmlns:mc="http://schemas.openxmlformats.org/markup-compatibility/2006">
-    <mc:Choice xmlns:p159="http://schemas.microsoft.com/office/powerpoint/2015/09/main" Requires="p159">
+  <mc:AlternateContent xmlns:mc="http://schemas.openxmlformats.org/markup-compatibility/2006" xmlns:p159="http://schemas.microsoft.com/office/powerpoint/2015/09/main">
+    <mc:Choice Requires="p159">
       <p:transition xmlns:p14="http://schemas.microsoft.com/office/powerpoint/2010/main" spd="slow" p14:dur="2000">
         <p159:morph option="byObject"/>
       </p:transition>
     </mc:Choice>
-    <mc:Fallback>
+    <mc:Fallback xmlns="">
       <p:transition spd="slow">
         <p:fade/>
       </p:transition>
@@ -7324,13 +7342,13 @@
   <p:clrMapOvr>
     <a:masterClrMapping/>
   </p:clrMapOvr>
-  <mc:AlternateContent xmlns:mc="http://schemas.openxmlformats.org/markup-compatibility/2006">
-    <mc:Choice xmlns:p14="http://schemas.microsoft.com/office/powerpoint/2010/main" Requires="p14">
+  <mc:AlternateContent xmlns:mc="http://schemas.openxmlformats.org/markup-compatibility/2006" xmlns:p14="http://schemas.microsoft.com/office/powerpoint/2010/main">
+    <mc:Choice Requires="p14">
       <p:transition spd="med" p14:dur="700">
         <p:fade/>
       </p:transition>
     </mc:Choice>
-    <mc:Fallback>
+    <mc:Fallback xmlns="">
       <p:transition spd="med">
         <p:fade/>
       </p:transition>
@@ -9777,13 +9795,13 @@
   <p:clrMapOvr>
     <a:masterClrMapping/>
   </p:clrMapOvr>
-  <mc:AlternateContent xmlns:mc="http://schemas.openxmlformats.org/markup-compatibility/2006">
-    <mc:Choice xmlns:p159="http://schemas.microsoft.com/office/powerpoint/2015/09/main" Requires="p159">
+  <mc:AlternateContent xmlns:mc="http://schemas.openxmlformats.org/markup-compatibility/2006" xmlns:p159="http://schemas.microsoft.com/office/powerpoint/2015/09/main">
+    <mc:Choice Requires="p159">
       <p:transition xmlns:p14="http://schemas.microsoft.com/office/powerpoint/2010/main" spd="slow" p14:dur="2000">
         <p159:morph option="byObject"/>
       </p:transition>
     </mc:Choice>
-    <mc:Fallback>
+    <mc:Fallback xmlns="">
       <p:transition spd="slow">
         <p:fade/>
       </p:transition>
@@ -10154,13 +10172,13 @@
   <p:clrMapOvr>
     <a:masterClrMapping/>
   </p:clrMapOvr>
-  <mc:AlternateContent xmlns:mc="http://schemas.openxmlformats.org/markup-compatibility/2006">
-    <mc:Choice xmlns:p14="http://schemas.microsoft.com/office/powerpoint/2010/main" Requires="p14">
+  <mc:AlternateContent xmlns:mc="http://schemas.openxmlformats.org/markup-compatibility/2006" xmlns:p14="http://schemas.microsoft.com/office/powerpoint/2010/main">
+    <mc:Choice Requires="p14">
       <p:transition spd="med" p14:dur="700">
         <p:fade/>
       </p:transition>
     </mc:Choice>
-    <mc:Fallback>
+    <mc:Fallback xmlns="">
       <p:transition spd="med">
         <p:fade/>
       </p:transition>

--- a/HN_JPN_K25CNTT5_NGUYENTRIHUNG/TongKet_KhaoSatDoUong.pptx
+++ b/HN_JPN_K25CNTT5_NGUYENTRIHUNG/TongKet_KhaoSatDoUong.pptx
@@ -9785,6 +9785,54 @@
           </a:extLst>
         </p:spPr>
       </p:pic>
+      <p:sp>
+        <p:nvSpPr>
+          <p:cNvPr id="4" name="Rectangle 3">
+            <a:hlinkClick r:id="rId3" action="ppaction://hlinksldjump"/>
+            <a:extLst>
+              <a:ext uri="{FF2B5EF4-FFF2-40B4-BE49-F238E27FC236}">
+                <a16:creationId xmlns:a16="http://schemas.microsoft.com/office/drawing/2014/main" id="{F5001AFC-6EF5-A1E3-64ED-58D9A11CFA74}"/>
+              </a:ext>
+            </a:extLst>
+          </p:cNvPr>
+          <p:cNvSpPr/>
+          <p:nvPr/>
+        </p:nvSpPr>
+        <p:spPr>
+          <a:xfrm>
+            <a:off x="10433154" y="6168452"/>
+            <a:ext cx="1558977" cy="434715"/>
+          </a:xfrm>
+          <a:prstGeom prst="rect">
+            <a:avLst/>
+          </a:prstGeom>
+        </p:spPr>
+        <p:style>
+          <a:lnRef idx="2">
+            <a:schemeClr val="accent6"/>
+          </a:lnRef>
+          <a:fillRef idx="1">
+            <a:schemeClr val="lt1"/>
+          </a:fillRef>
+          <a:effectRef idx="0">
+            <a:schemeClr val="accent6"/>
+          </a:effectRef>
+          <a:fontRef idx="minor">
+            <a:schemeClr val="dk1"/>
+          </a:fontRef>
+        </p:style>
+        <p:txBody>
+          <a:bodyPr rtlCol="0" anchor="ctr"/>
+          <a:lstStyle/>
+          <a:p>
+            <a:pPr algn="ctr"/>
+            <a:r>
+              <a:rPr lang="en-US" dirty="0"/>
+              <a:t>BACK</a:t>
+            </a:r>
+          </a:p>
+        </p:txBody>
+      </p:sp>
     </p:spTree>
     <p:extLst>
       <p:ext uri="{BB962C8B-B14F-4D97-AF65-F5344CB8AC3E}">
